--- a/_SLIDES/2020/H4- Werken met data/H4_Debuggen.pptx
+++ b/_SLIDES/2020/H4- Werken met data/H4_Debuggen.pptx
@@ -6495,7 +6495,7 @@
           <a:p>
             <a:fld id="{85EE1F57-E73E-475C-872F-886F27274373}" type="datetimeFigureOut">
               <a:rPr lang="nl-BE" smtClean="0"/>
-              <a:t>14/09/2020</a:t>
+              <a:t>21/09/2020</a:t>
             </a:fld>
             <a:endParaRPr lang="nl-BE"/>
           </a:p>
@@ -6660,7 +6660,7 @@
           <a:p>
             <a:fld id="{E0BBF532-A5DD-4E27-82A5-D972027CDA5D}" type="datetimeFigureOut">
               <a:rPr lang="nl-BE" smtClean="0"/>
-              <a:t>14/09/2020</a:t>
+              <a:t>21/09/2020</a:t>
             </a:fld>
             <a:endParaRPr lang="nl-BE"/>
           </a:p>
@@ -9018,7 +9018,7 @@
           <a:p>
             <a:fld id="{59F69171-8AD3-4C6E-ACC3-F75E2D8266EB}" type="datetime1">
               <a:rPr lang="nl-BE" smtClean="0"/>
-              <a:t>14/09/2020</a:t>
+              <a:t>21/09/2020</a:t>
             </a:fld>
             <a:endParaRPr lang="nl-BE" dirty="0"/>
           </a:p>
@@ -9314,7 +9314,7 @@
           <a:p>
             <a:fld id="{705F2185-EB57-4DF0-844E-C8B667D7E0D5}" type="datetime1">
               <a:rPr lang="nl-BE" smtClean="0"/>
-              <a:t>14/09/2020</a:t>
+              <a:t>21/09/2020</a:t>
             </a:fld>
             <a:endParaRPr lang="nl-BE"/>
           </a:p>
@@ -9527,7 +9527,7 @@
           <a:p>
             <a:fld id="{1D1577DC-1F06-4783-A3BF-4B5238F9689E}" type="datetime1">
               <a:rPr lang="nl-BE" smtClean="0"/>
-              <a:t>14/09/2020</a:t>
+              <a:t>21/09/2020</a:t>
             </a:fld>
             <a:endParaRPr lang="nl-BE"/>
           </a:p>
@@ -9760,7 +9760,7 @@
           <a:p>
             <a:fld id="{532C4BB1-21CD-4247-A903-A5CF96BCEFE6}" type="datetime1">
               <a:rPr lang="nl-BE" smtClean="0"/>
-              <a:t>14/09/2020</a:t>
+              <a:t>21/09/2020</a:t>
             </a:fld>
             <a:endParaRPr lang="nl-BE"/>
           </a:p>
@@ -10040,7 +10040,7 @@
           <a:p>
             <a:fld id="{A6BD4CA6-02F0-4409-ADA5-1C2890AB8CA0}" type="datetime1">
               <a:rPr lang="nl-BE" smtClean="0"/>
-              <a:t>14/09/2020</a:t>
+              <a:t>21/09/2020</a:t>
             </a:fld>
             <a:endParaRPr lang="nl-BE"/>
           </a:p>
@@ -10311,7 +10311,7 @@
           <a:p>
             <a:fld id="{80F43CF5-A5B6-433D-888F-ACEE4A1BAD18}" type="datetime1">
               <a:rPr lang="nl-BE" smtClean="0"/>
-              <a:t>14/09/2020</a:t>
+              <a:t>21/09/2020</a:t>
             </a:fld>
             <a:endParaRPr lang="nl-BE"/>
           </a:p>
@@ -10729,7 +10729,7 @@
           <a:p>
             <a:fld id="{05DC44E7-8D57-49C5-86E0-7A264CAC31DB}" type="datetime1">
               <a:rPr lang="nl-BE" smtClean="0"/>
-              <a:t>14/09/2020</a:t>
+              <a:t>21/09/2020</a:t>
             </a:fld>
             <a:endParaRPr lang="nl-BE"/>
           </a:p>
@@ -10874,7 +10874,7 @@
           <a:p>
             <a:fld id="{E2F2FCB5-F08A-45FB-9B5C-545643D73581}" type="datetime1">
               <a:rPr lang="nl-BE" smtClean="0"/>
-              <a:t>14/09/2020</a:t>
+              <a:t>21/09/2020</a:t>
             </a:fld>
             <a:endParaRPr lang="nl-BE"/>
           </a:p>
@@ -10990,7 +10990,7 @@
           <a:p>
             <a:fld id="{FA61941D-C188-4200-9DCF-632E0EA69DDE}" type="datetime1">
               <a:rPr lang="nl-BE" smtClean="0"/>
-              <a:t>14/09/2020</a:t>
+              <a:t>21/09/2020</a:t>
             </a:fld>
             <a:endParaRPr lang="nl-BE"/>
           </a:p>
@@ -11306,7 +11306,7 @@
           <a:p>
             <a:fld id="{7BE774D7-6155-4F5A-8D3B-0B35058D0091}" type="datetime1">
               <a:rPr lang="nl-BE" smtClean="0"/>
-              <a:t>14/09/2020</a:t>
+              <a:t>21/09/2020</a:t>
             </a:fld>
             <a:endParaRPr lang="nl-BE"/>
           </a:p>
@@ -11602,7 +11602,7 @@
           <a:p>
             <a:fld id="{12F5F280-0401-4EF7-9F19-035A70BB1C46}" type="datetime1">
               <a:rPr lang="nl-BE" smtClean="0"/>
-              <a:t>14/09/2020</a:t>
+              <a:t>21/09/2020</a:t>
             </a:fld>
             <a:endParaRPr lang="nl-BE"/>
           </a:p>
@@ -11848,7 +11848,7 @@
           <a:p>
             <a:fld id="{B3CE697F-E569-479F-82B1-F273019AABCB}" type="datetime1">
               <a:rPr lang="nl-BE" smtClean="0"/>
-              <a:t>14/09/2020</a:t>
+              <a:t>21/09/2020</a:t>
             </a:fld>
             <a:endParaRPr lang="nl-BE"/>
           </a:p>
@@ -16109,11 +16109,7 @@
           <a:lstStyle/>
           <a:p>
             <a:r>
-              <a:rPr lang="nl-BE">
-                <a:solidFill>
-                  <a:srgbClr val="FFFFFF"/>
-                </a:solidFill>
-              </a:rPr>
+              <a:rPr lang="nl-BE" dirty="0"/>
               <a:t>Runtime fouten</a:t>
             </a:r>
           </a:p>

--- a/_SLIDES/2020/H4- Werken met data/H4_Debuggen.pptx
+++ b/_SLIDES/2020/H4- Werken met data/H4_Debuggen.pptx
@@ -6495,7 +6495,7 @@
           <a:p>
             <a:fld id="{85EE1F57-E73E-475C-872F-886F27274373}" type="datetimeFigureOut">
               <a:rPr lang="nl-BE" smtClean="0"/>
-              <a:t>21/09/2020</a:t>
+              <a:t>23/09/2020</a:t>
             </a:fld>
             <a:endParaRPr lang="nl-BE"/>
           </a:p>
@@ -6660,7 +6660,7 @@
           <a:p>
             <a:fld id="{E0BBF532-A5DD-4E27-82A5-D972027CDA5D}" type="datetimeFigureOut">
               <a:rPr lang="nl-BE" smtClean="0"/>
-              <a:t>21/09/2020</a:t>
+              <a:t>23/09/2020</a:t>
             </a:fld>
             <a:endParaRPr lang="nl-BE"/>
           </a:p>
@@ -9018,7 +9018,7 @@
           <a:p>
             <a:fld id="{59F69171-8AD3-4C6E-ACC3-F75E2D8266EB}" type="datetime1">
               <a:rPr lang="nl-BE" smtClean="0"/>
-              <a:t>21/09/2020</a:t>
+              <a:t>23/09/2020</a:t>
             </a:fld>
             <a:endParaRPr lang="nl-BE" dirty="0"/>
           </a:p>
@@ -9314,7 +9314,7 @@
           <a:p>
             <a:fld id="{705F2185-EB57-4DF0-844E-C8B667D7E0D5}" type="datetime1">
               <a:rPr lang="nl-BE" smtClean="0"/>
-              <a:t>21/09/2020</a:t>
+              <a:t>23/09/2020</a:t>
             </a:fld>
             <a:endParaRPr lang="nl-BE"/>
           </a:p>
@@ -9527,7 +9527,7 @@
           <a:p>
             <a:fld id="{1D1577DC-1F06-4783-A3BF-4B5238F9689E}" type="datetime1">
               <a:rPr lang="nl-BE" smtClean="0"/>
-              <a:t>21/09/2020</a:t>
+              <a:t>23/09/2020</a:t>
             </a:fld>
             <a:endParaRPr lang="nl-BE"/>
           </a:p>
@@ -9760,7 +9760,7 @@
           <a:p>
             <a:fld id="{532C4BB1-21CD-4247-A903-A5CF96BCEFE6}" type="datetime1">
               <a:rPr lang="nl-BE" smtClean="0"/>
-              <a:t>21/09/2020</a:t>
+              <a:t>23/09/2020</a:t>
             </a:fld>
             <a:endParaRPr lang="nl-BE"/>
           </a:p>
@@ -10040,7 +10040,7 @@
           <a:p>
             <a:fld id="{A6BD4CA6-02F0-4409-ADA5-1C2890AB8CA0}" type="datetime1">
               <a:rPr lang="nl-BE" smtClean="0"/>
-              <a:t>21/09/2020</a:t>
+              <a:t>23/09/2020</a:t>
             </a:fld>
             <a:endParaRPr lang="nl-BE"/>
           </a:p>
@@ -10311,7 +10311,7 @@
           <a:p>
             <a:fld id="{80F43CF5-A5B6-433D-888F-ACEE4A1BAD18}" type="datetime1">
               <a:rPr lang="nl-BE" smtClean="0"/>
-              <a:t>21/09/2020</a:t>
+              <a:t>23/09/2020</a:t>
             </a:fld>
             <a:endParaRPr lang="nl-BE"/>
           </a:p>
@@ -10729,7 +10729,7 @@
           <a:p>
             <a:fld id="{05DC44E7-8D57-49C5-86E0-7A264CAC31DB}" type="datetime1">
               <a:rPr lang="nl-BE" smtClean="0"/>
-              <a:t>21/09/2020</a:t>
+              <a:t>23/09/2020</a:t>
             </a:fld>
             <a:endParaRPr lang="nl-BE"/>
           </a:p>
@@ -10874,7 +10874,7 @@
           <a:p>
             <a:fld id="{E2F2FCB5-F08A-45FB-9B5C-545643D73581}" type="datetime1">
               <a:rPr lang="nl-BE" smtClean="0"/>
-              <a:t>21/09/2020</a:t>
+              <a:t>23/09/2020</a:t>
             </a:fld>
             <a:endParaRPr lang="nl-BE"/>
           </a:p>
@@ -10990,7 +10990,7 @@
           <a:p>
             <a:fld id="{FA61941D-C188-4200-9DCF-632E0EA69DDE}" type="datetime1">
               <a:rPr lang="nl-BE" smtClean="0"/>
-              <a:t>21/09/2020</a:t>
+              <a:t>23/09/2020</a:t>
             </a:fld>
             <a:endParaRPr lang="nl-BE"/>
           </a:p>
@@ -11306,7 +11306,7 @@
           <a:p>
             <a:fld id="{7BE774D7-6155-4F5A-8D3B-0B35058D0091}" type="datetime1">
               <a:rPr lang="nl-BE" smtClean="0"/>
-              <a:t>21/09/2020</a:t>
+              <a:t>23/09/2020</a:t>
             </a:fld>
             <a:endParaRPr lang="nl-BE"/>
           </a:p>
@@ -11602,7 +11602,7 @@
           <a:p>
             <a:fld id="{12F5F280-0401-4EF7-9F19-035A70BB1C46}" type="datetime1">
               <a:rPr lang="nl-BE" smtClean="0"/>
-              <a:t>21/09/2020</a:t>
+              <a:t>23/09/2020</a:t>
             </a:fld>
             <a:endParaRPr lang="nl-BE"/>
           </a:p>
@@ -11848,7 +11848,7 @@
           <a:p>
             <a:fld id="{B3CE697F-E569-479F-82B1-F273019AABCB}" type="datetime1">
               <a:rPr lang="nl-BE" smtClean="0"/>
-              <a:t>21/09/2020</a:t>
+              <a:t>23/09/2020</a:t>
             </a:fld>
             <a:endParaRPr lang="nl-BE"/>
           </a:p>
@@ -13865,6 +13865,35 @@
           </a:p>
         </p:txBody>
       </p:sp>
+      <p:pic>
+        <p:nvPicPr>
+          <p:cNvPr id="6" name="Afbeelding 5">
+            <a:extLst>
+              <a:ext uri="{FF2B5EF4-FFF2-40B4-BE49-F238E27FC236}">
+                <a16:creationId xmlns:a16="http://schemas.microsoft.com/office/drawing/2014/main" id="{C58580BE-FBEC-4AA0-94F7-6BA361614B21}"/>
+              </a:ext>
+            </a:extLst>
+          </p:cNvPr>
+          <p:cNvPicPr>
+            <a:picLocks noChangeAspect="1"/>
+          </p:cNvPicPr>
+          <p:nvPr/>
+        </p:nvPicPr>
+        <p:blipFill rotWithShape="1">
+          <a:blip r:embed="rId2"/>
+          <a:srcRect t="13769"/>
+          <a:stretch/>
+        </p:blipFill>
+        <p:spPr>
+          <a:xfrm>
+            <a:off x="0" y="245441"/>
+            <a:ext cx="6855292" cy="682079"/>
+          </a:xfrm>
+          <a:prstGeom prst="rect">
+            <a:avLst/>
+          </a:prstGeom>
+        </p:spPr>
+      </p:pic>
     </p:spTree>
     <p:extLst>
       <p:ext uri="{BB962C8B-B14F-4D97-AF65-F5344CB8AC3E}">
@@ -14847,90 +14876,17 @@
           <a:p>
             <a:pPr eaLnBrk="1" hangingPunct="1"/>
             <a:r>
-              <a:rPr lang="nl-BE" sz="1500"/>
+              <a:rPr lang="nl-BE" sz="1500" dirty="0"/>
               <a:t>Bug = fout in een programma</a:t>
             </a:r>
           </a:p>
           <a:p>
             <a:pPr eaLnBrk="1" hangingPunct="1"/>
             <a:r>
-              <a:rPr lang="nl-BE" sz="1500"/>
-              <a:t>Hoe opsporen?</a:t>
-            </a:r>
-          </a:p>
-          <a:p>
-            <a:pPr lvl="1" eaLnBrk="1" hangingPunct="1"/>
-            <a:r>
-              <a:rPr lang="nl-BE" sz="1500"/>
-              <a:t>Primitieve hulpmiddeltjes</a:t>
-            </a:r>
-          </a:p>
-          <a:p>
-            <a:pPr lvl="2" eaLnBrk="1" hangingPunct="1"/>
-            <a:r>
-              <a:rPr lang="nl-BE" sz="1500">
-                <a:latin typeface="Consolas" pitchFamily="49" charset="0"/>
-                <a:cs typeface="Consolas" pitchFamily="49" charset="0"/>
-              </a:rPr>
-              <a:t>Console.WriteLine(…)</a:t>
-            </a:r>
-          </a:p>
-          <a:p>
-            <a:pPr lvl="1" eaLnBrk="1" hangingPunct="1"/>
-            <a:r>
-              <a:rPr lang="nl-BE" sz="1500" b="1"/>
-              <a:t>Debugger</a:t>
-            </a:r>
-          </a:p>
-          <a:p>
-            <a:pPr lvl="2" eaLnBrk="1" hangingPunct="1"/>
-            <a:r>
-              <a:rPr lang="nl-BE" sz="1500"/>
-              <a:t>Stap voor stap door het programma lopen en de inhoud van variabelen bekijken</a:t>
-            </a:r>
-          </a:p>
-          <a:p>
-            <a:pPr lvl="1" eaLnBrk="1" hangingPunct="1"/>
-            <a:r>
-              <a:rPr lang="nl-BE" sz="1500"/>
-              <a:t>Lezen van broncode (“Code reading”)</a:t>
-            </a:r>
-          </a:p>
-          <a:p>
-            <a:pPr lvl="2" eaLnBrk="1" hangingPunct="1"/>
-            <a:r>
-              <a:rPr lang="nl-BE" sz="1500"/>
-              <a:t>Programmeurs checken mekaars code en trachten zo fouten eruit te halen</a:t>
-            </a:r>
-          </a:p>
-          <a:p>
-            <a:pPr lvl="1" eaLnBrk="1" hangingPunct="1"/>
-            <a:r>
-              <a:rPr lang="nl-BE" sz="1500"/>
-              <a:t>Inspecteren van</a:t>
-            </a:r>
-          </a:p>
-          <a:p>
-            <a:pPr lvl="2" eaLnBrk="1" hangingPunct="1"/>
-            <a:r>
-              <a:rPr lang="nl-BE" sz="1500"/>
-              <a:t>Log bestanden: dit zijn tekstbestanden die een programma genereert tijdens de uitvoering.</a:t>
-            </a:r>
-          </a:p>
-          <a:p>
-            <a:pPr lvl="2" eaLnBrk="1" hangingPunct="1"/>
-            <a:r>
-              <a:rPr lang="nl-BE" sz="1500"/>
-              <a:t>Core dump: als een programma crasht, dan genereert het een bestand met daarin de volledige toestand van de processor, geheugen, etc.</a:t>
-            </a:r>
-          </a:p>
-          <a:p>
-            <a:pPr eaLnBrk="1" hangingPunct="1"/>
-            <a:r>
-              <a:rPr lang="nl-BE" sz="1500"/>
+              <a:rPr lang="nl-BE" sz="1500" dirty="0"/>
               <a:t>Oplossen van bugs is voor omvangrijke programma’s geen eenvoudige taak en is een discipline op zich</a:t>
             </a:r>
-            <a:endParaRPr lang="nl-NL" sz="1500"/>
+            <a:endParaRPr lang="nl-NL" sz="1500" dirty="0"/>
           </a:p>
         </p:txBody>
       </p:sp>
@@ -15215,7 +15171,7 @@
 </file>
 
 <file path=ppt/slides/slide6.xml><?xml version="1.0" encoding="utf-8"?>
-<p:sld xmlns:a="http://schemas.openxmlformats.org/drawingml/2006/main" xmlns:r="http://schemas.openxmlformats.org/officeDocument/2006/relationships" xmlns:p="http://schemas.openxmlformats.org/presentationml/2006/main">
+<p:sld xmlns:a="http://schemas.openxmlformats.org/drawingml/2006/main" xmlns:r="http://schemas.openxmlformats.org/officeDocument/2006/relationships" xmlns:p="http://schemas.openxmlformats.org/presentationml/2006/main" show="0">
   <p:cSld>
     <p:bg>
       <p:bgPr>
@@ -15465,7 +15421,7 @@
 </file>
 
 <file path=ppt/slides/slide7.xml><?xml version="1.0" encoding="utf-8"?>
-<p:sld xmlns:a="http://schemas.openxmlformats.org/drawingml/2006/main" xmlns:r="http://schemas.openxmlformats.org/officeDocument/2006/relationships" xmlns:p="http://schemas.openxmlformats.org/presentationml/2006/main">
+<p:sld xmlns:a="http://schemas.openxmlformats.org/drawingml/2006/main" xmlns:r="http://schemas.openxmlformats.org/officeDocument/2006/relationships" xmlns:p="http://schemas.openxmlformats.org/presentationml/2006/main" show="0">
   <p:cSld>
     <p:bg>
       <p:bgPr>
@@ -15827,7 +15783,7 @@
 </file>
 
 <file path=ppt/slides/slide8.xml><?xml version="1.0" encoding="utf-8"?>
-<p:sld xmlns:a="http://schemas.openxmlformats.org/drawingml/2006/main" xmlns:r="http://schemas.openxmlformats.org/officeDocument/2006/relationships" xmlns:p="http://schemas.openxmlformats.org/presentationml/2006/main">
+<p:sld xmlns:a="http://schemas.openxmlformats.org/drawingml/2006/main" xmlns:r="http://schemas.openxmlformats.org/officeDocument/2006/relationships" xmlns:p="http://schemas.openxmlformats.org/presentationml/2006/main" show="0">
   <p:cSld>
     <p:bg>
       <p:bgPr>
@@ -16062,7 +16018,7 @@
 </file>
 
 <file path=ppt/slides/slide9.xml><?xml version="1.0" encoding="utf-8"?>
-<p:sld xmlns:a="http://schemas.openxmlformats.org/drawingml/2006/main" xmlns:r="http://schemas.openxmlformats.org/officeDocument/2006/relationships" xmlns:p="http://schemas.openxmlformats.org/presentationml/2006/main">
+<p:sld xmlns:a="http://schemas.openxmlformats.org/drawingml/2006/main" xmlns:r="http://schemas.openxmlformats.org/officeDocument/2006/relationships" xmlns:p="http://schemas.openxmlformats.org/presentationml/2006/main" show="0">
   <p:cSld>
     <p:bg>
       <p:bgPr>
